--- a/pptx compito R/matematica.pptx
+++ b/pptx compito R/matematica.pptx
@@ -5,53 +5,36 @@
     <p:sldMasterId id="2147483659" r:id="rId1"/>
   </p:sldMasterIdLst>
   <p:notesMasterIdLst>
-    <p:notesMasterId r:id="rId8"/>
+    <p:notesMasterId r:id="rId5"/>
   </p:notesMasterIdLst>
   <p:sldIdLst>
     <p:sldId id="256" r:id="rId2"/>
-    <p:sldId id="257" r:id="rId3"/>
-    <p:sldId id="259" r:id="rId4"/>
-    <p:sldId id="258" r:id="rId5"/>
-    <p:sldId id="260" r:id="rId6"/>
-    <p:sldId id="261" r:id="rId7"/>
+    <p:sldId id="261" r:id="rId3"/>
+    <p:sldId id="263" r:id="rId4"/>
   </p:sldIdLst>
   <p:sldSz cx="9144000" cy="5143500" type="screen16x9"/>
   <p:notesSz cx="6858000" cy="9144000"/>
   <p:embeddedFontLst>
     <p:embeddedFont>
-      <p:font typeface="Georgia" panose="02040502050405020303" pitchFamily="18" charset="0"/>
-      <p:regular r:id="rId9"/>
-      <p:bold r:id="rId10"/>
-      <p:italic r:id="rId11"/>
-      <p:boldItalic r:id="rId12"/>
+      <p:font typeface="Lora" panose="020B0604020202020204" charset="0"/>
+      <p:regular r:id="rId6"/>
+      <p:bold r:id="rId7"/>
+      <p:italic r:id="rId8"/>
+      <p:boldItalic r:id="rId9"/>
     </p:embeddedFont>
     <p:embeddedFont>
-      <p:font typeface="Lora" pitchFamily="2" charset="0"/>
-      <p:regular r:id="rId13"/>
-      <p:bold r:id="rId14"/>
-      <p:italic r:id="rId15"/>
-      <p:boldItalic r:id="rId16"/>
-    </p:embeddedFont>
-    <p:embeddedFont>
-      <p:font typeface="Merriweather" panose="00000500000000000000" pitchFamily="2" charset="0"/>
-      <p:regular r:id="rId17"/>
-      <p:bold r:id="rId18"/>
-      <p:italic r:id="rId19"/>
-      <p:boldItalic r:id="rId20"/>
+      <p:font typeface="Merriweather" panose="020B0604020202020204" charset="0"/>
+      <p:regular r:id="rId10"/>
+      <p:bold r:id="rId11"/>
+      <p:italic r:id="rId12"/>
+      <p:boldItalic r:id="rId13"/>
     </p:embeddedFont>
     <p:embeddedFont>
       <p:font typeface="Trebuchet MS" panose="020B0603020202020204" pitchFamily="34" charset="0"/>
-      <p:regular r:id="rId21"/>
-      <p:bold r:id="rId22"/>
-      <p:italic r:id="rId23"/>
-      <p:boldItalic r:id="rId24"/>
-    </p:embeddedFont>
-    <p:embeddedFont>
-      <p:font typeface="Verdana" panose="020B0604030504040204" pitchFamily="34" charset="0"/>
-      <p:regular r:id="rId25"/>
-      <p:bold r:id="rId26"/>
-      <p:italic r:id="rId27"/>
-      <p:boldItalic r:id="rId28"/>
+      <p:regular r:id="rId14"/>
+      <p:bold r:id="rId15"/>
+      <p:italic r:id="rId16"/>
+      <p:boldItalic r:id="rId17"/>
     </p:embeddedFont>
   </p:embeddedFontLst>
   <p:defaultTextStyle>
@@ -880,214 +863,6 @@
       <p:sp>
         <p:nvSpPr>
           <p:cNvPr id="52" name="Google Shape;52;p:notes"/>
-          <p:cNvSpPr txBox="1">
-            <a:spLocks noGrp="1"/>
-          </p:cNvSpPr>
-          <p:nvPr>
-            <p:ph type="body" idx="1"/>
-          </p:nvPr>
-        </p:nvSpPr>
-        <p:spPr>
-          <a:xfrm>
-            <a:off x="685800" y="4343400"/>
-            <a:ext cx="5486400" cy="4114800"/>
-          </a:xfrm>
-          <a:prstGeom prst="rect">
-            <a:avLst/>
-          </a:prstGeom>
-        </p:spPr>
-        <p:txBody>
-          <a:bodyPr spcFirstLastPara="1" wrap="square" lIns="91425" tIns="91425" rIns="91425" bIns="91425" anchor="t" anchorCtr="0">
-            <a:noAutofit/>
-          </a:bodyPr>
-          <a:lstStyle/>
-          <a:p>
-            <a:pPr marL="0" lvl="0" indent="0" algn="l" rtl="0">
-              <a:spcBef>
-                <a:spcPts val="0"/>
-              </a:spcBef>
-              <a:spcAft>
-                <a:spcPts val="0"/>
-              </a:spcAft>
-              <a:buNone/>
-            </a:pPr>
-            <a:endParaRPr/>
-          </a:p>
-        </p:txBody>
-      </p:sp>
-    </p:spTree>
-  </p:cSld>
-  <p:clrMapOvr>
-    <a:masterClrMapping/>
-  </p:clrMapOvr>
-</p:notes>
-</file>
-
-<file path=ppt/notesSlides/notesSlide2.xml><?xml version="1.0" encoding="utf-8"?>
-<p:notes xmlns:a="http://schemas.openxmlformats.org/drawingml/2006/main" xmlns:r="http://schemas.openxmlformats.org/officeDocument/2006/relationships" xmlns:p="http://schemas.openxmlformats.org/presentationml/2006/main" showMasterSp="0" showMasterPhAnim="0">
-  <p:cSld>
-    <p:spTree>
-      <p:nvGrpSpPr>
-        <p:cNvPr id="1" name="Shape 56"/>
-        <p:cNvGrpSpPr/>
-        <p:nvPr/>
-      </p:nvGrpSpPr>
-      <p:grpSpPr>
-        <a:xfrm>
-          <a:off x="0" y="0"/>
-          <a:ext cx="0" cy="0"/>
-          <a:chOff x="0" y="0"/>
-          <a:chExt cx="0" cy="0"/>
-        </a:xfrm>
-      </p:grpSpPr>
-      <p:sp>
-        <p:nvSpPr>
-          <p:cNvPr id="57" name="Google Shape;57;g12c62ded874_0_0:notes"/>
-          <p:cNvSpPr>
-            <a:spLocks noGrp="1" noRot="1" noChangeAspect="1"/>
-          </p:cNvSpPr>
-          <p:nvPr>
-            <p:ph type="sldImg" idx="2"/>
-          </p:nvPr>
-        </p:nvSpPr>
-        <p:spPr>
-          <a:xfrm>
-            <a:off x="381300" y="685800"/>
-            <a:ext cx="6096000" cy="3429000"/>
-          </a:xfrm>
-          <a:custGeom>
-            <a:avLst/>
-            <a:gdLst/>
-            <a:ahLst/>
-            <a:cxnLst/>
-            <a:rect l="l" t="t" r="r" b="b"/>
-            <a:pathLst>
-              <a:path w="120000" h="120000" extrusionOk="0">
-                <a:moveTo>
-                  <a:pt x="0" y="0"/>
-                </a:moveTo>
-                <a:lnTo>
-                  <a:pt x="120000" y="0"/>
-                </a:lnTo>
-                <a:lnTo>
-                  <a:pt x="120000" y="120000"/>
-                </a:lnTo>
-                <a:lnTo>
-                  <a:pt x="0" y="120000"/>
-                </a:lnTo>
-                <a:close/>
-              </a:path>
-            </a:pathLst>
-          </a:custGeom>
-        </p:spPr>
-      </p:sp>
-      <p:sp>
-        <p:nvSpPr>
-          <p:cNvPr id="58" name="Google Shape;58;g12c62ded874_0_0:notes"/>
-          <p:cNvSpPr txBox="1">
-            <a:spLocks noGrp="1"/>
-          </p:cNvSpPr>
-          <p:nvPr>
-            <p:ph type="body" idx="1"/>
-          </p:nvPr>
-        </p:nvSpPr>
-        <p:spPr>
-          <a:xfrm>
-            <a:off x="685800" y="4343400"/>
-            <a:ext cx="5486400" cy="4114800"/>
-          </a:xfrm>
-          <a:prstGeom prst="rect">
-            <a:avLst/>
-          </a:prstGeom>
-        </p:spPr>
-        <p:txBody>
-          <a:bodyPr spcFirstLastPara="1" wrap="square" lIns="91425" tIns="91425" rIns="91425" bIns="91425" anchor="t" anchorCtr="0">
-            <a:noAutofit/>
-          </a:bodyPr>
-          <a:lstStyle/>
-          <a:p>
-            <a:pPr marL="0" lvl="0" indent="0" algn="l" rtl="0">
-              <a:spcBef>
-                <a:spcPts val="0"/>
-              </a:spcBef>
-              <a:spcAft>
-                <a:spcPts val="0"/>
-              </a:spcAft>
-              <a:buNone/>
-            </a:pPr>
-            <a:endParaRPr/>
-          </a:p>
-        </p:txBody>
-      </p:sp>
-    </p:spTree>
-  </p:cSld>
-  <p:clrMapOvr>
-    <a:masterClrMapping/>
-  </p:clrMapOvr>
-</p:notes>
-</file>
-
-<file path=ppt/notesSlides/notesSlide3.xml><?xml version="1.0" encoding="utf-8"?>
-<p:notes xmlns:a="http://schemas.openxmlformats.org/drawingml/2006/main" xmlns:r="http://schemas.openxmlformats.org/officeDocument/2006/relationships" xmlns:p="http://schemas.openxmlformats.org/presentationml/2006/main" showMasterSp="0" showMasterPhAnim="0">
-  <p:cSld>
-    <p:spTree>
-      <p:nvGrpSpPr>
-        <p:cNvPr id="1" name="Shape 63"/>
-        <p:cNvGrpSpPr/>
-        <p:nvPr/>
-      </p:nvGrpSpPr>
-      <p:grpSpPr>
-        <a:xfrm>
-          <a:off x="0" y="0"/>
-          <a:ext cx="0" cy="0"/>
-          <a:chOff x="0" y="0"/>
-          <a:chExt cx="0" cy="0"/>
-        </a:xfrm>
-      </p:grpSpPr>
-      <p:sp>
-        <p:nvSpPr>
-          <p:cNvPr id="64" name="Google Shape;64;g12c62ded874_0_5:notes"/>
-          <p:cNvSpPr>
-            <a:spLocks noGrp="1" noRot="1" noChangeAspect="1"/>
-          </p:cNvSpPr>
-          <p:nvPr>
-            <p:ph type="sldImg" idx="2"/>
-          </p:nvPr>
-        </p:nvSpPr>
-        <p:spPr>
-          <a:xfrm>
-            <a:off x="381300" y="685800"/>
-            <a:ext cx="6096000" cy="3429000"/>
-          </a:xfrm>
-          <a:custGeom>
-            <a:avLst/>
-            <a:gdLst/>
-            <a:ahLst/>
-            <a:cxnLst/>
-            <a:rect l="l" t="t" r="r" b="b"/>
-            <a:pathLst>
-              <a:path w="120000" h="120000" extrusionOk="0">
-                <a:moveTo>
-                  <a:pt x="0" y="0"/>
-                </a:moveTo>
-                <a:lnTo>
-                  <a:pt x="120000" y="0"/>
-                </a:lnTo>
-                <a:lnTo>
-                  <a:pt x="120000" y="120000"/>
-                </a:lnTo>
-                <a:lnTo>
-                  <a:pt x="0" y="120000"/>
-                </a:lnTo>
-                <a:close/>
-              </a:path>
-            </a:pathLst>
-          </a:custGeom>
-        </p:spPr>
-      </p:sp>
-      <p:sp>
-        <p:nvSpPr>
-          <p:cNvPr id="65" name="Google Shape;65;g12c62ded874_0_5:notes"/>
           <p:cNvSpPr txBox="1">
             <a:spLocks noGrp="1"/>
           </p:cNvSpPr>
@@ -5933,7 +5708,7 @@
               <a:buNone/>
             </a:pPr>
             <a:r>
-              <a:rPr lang="it" sz="3080" b="1">
+              <a:rPr lang="it" sz="3080" b="1" dirty="0">
                 <a:solidFill>
                   <a:srgbClr val="FF0000"/>
                 </a:solidFill>
@@ -5944,7 +5719,7 @@
               </a:rPr>
               <a:t>L’Inquinamento nel mondo</a:t>
             </a:r>
-            <a:endParaRPr sz="3080" b="1">
+            <a:endParaRPr sz="3080" b="1" dirty="0">
               <a:solidFill>
                 <a:srgbClr val="FF0000"/>
               </a:solidFill>
@@ -5991,7 +5766,7 @@
               <a:buNone/>
             </a:pPr>
             <a:r>
-              <a:rPr lang="it" sz="2716">
+              <a:rPr lang="it" sz="2716" dirty="0">
                 <a:solidFill>
                   <a:schemeClr val="dk1"/>
                 </a:solidFill>
@@ -6002,7 +5777,7 @@
               </a:rPr>
               <a:t>L’economia circolare è un’economia pensata per potersi rigenerare da sola, questa sfrutta materiali biologici e fonti e energie rinnovabili.</a:t>
             </a:r>
-            <a:endParaRPr sz="2716">
+            <a:endParaRPr sz="2716" dirty="0">
               <a:solidFill>
                 <a:schemeClr val="dk1"/>
               </a:solidFill>
@@ -6023,7 +5798,7 @@
               <a:buNone/>
             </a:pPr>
             <a:r>
-              <a:rPr lang="it" sz="2716">
+              <a:rPr lang="it" sz="2716" dirty="0">
                 <a:solidFill>
                   <a:schemeClr val="dk1"/>
                 </a:solidFill>
@@ -6034,7 +5809,7 @@
               </a:rPr>
               <a:t>In questo modo eliminando i combustibili fossili </a:t>
             </a:r>
-            <a:endParaRPr sz="2716">
+            <a:endParaRPr sz="2716" dirty="0">
               <a:solidFill>
                 <a:schemeClr val="dk1"/>
               </a:solidFill>
@@ -6055,7 +5830,7 @@
               <a:buNone/>
             </a:pPr>
             <a:r>
-              <a:rPr lang="it" sz="2716">
+              <a:rPr lang="it" sz="2716" dirty="0">
                 <a:solidFill>
                   <a:schemeClr val="dk1"/>
                 </a:solidFill>
@@ -6066,7 +5841,7 @@
               </a:rPr>
               <a:t>è possibile ridurre l’inquinamento nel mondo.</a:t>
             </a:r>
-            <a:endParaRPr sz="2716">
+            <a:endParaRPr sz="2716" dirty="0">
               <a:solidFill>
                 <a:schemeClr val="dk1"/>
               </a:solidFill>
@@ -6086,7 +5861,7 @@
               </a:spcAft>
               <a:buNone/>
             </a:pPr>
-            <a:endParaRPr sz="2716">
+            <a:endParaRPr sz="2716" dirty="0">
               <a:solidFill>
                 <a:schemeClr val="dk1"/>
               </a:solidFill>
@@ -6107,7 +5882,7 @@
               <a:buNone/>
             </a:pPr>
             <a:r>
-              <a:rPr lang="it" sz="2100">
+              <a:rPr lang="it" sz="2100" dirty="0">
                 <a:solidFill>
                   <a:schemeClr val="dk1"/>
                 </a:solidFill>
@@ -6118,7 +5893,7 @@
               </a:rPr>
               <a:t> </a:t>
             </a:r>
-            <a:endParaRPr sz="2100">
+            <a:endParaRPr sz="2100" dirty="0">
               <a:solidFill>
                 <a:schemeClr val="dk1"/>
               </a:solidFill>
@@ -6138,7 +5913,7 @@
               </a:spcAft>
               <a:buNone/>
             </a:pPr>
-            <a:endParaRPr sz="2100">
+            <a:endParaRPr sz="2100" dirty="0">
               <a:solidFill>
                 <a:schemeClr val="dk1"/>
               </a:solidFill>
@@ -6158,7 +5933,7 @@
               </a:spcAft>
               <a:buNone/>
             </a:pPr>
-            <a:endParaRPr sz="2100"/>
+            <a:endParaRPr sz="2100" dirty="0"/>
           </a:p>
         </p:txBody>
       </p:sp>
@@ -6175,7 +5950,7 @@
   <p:cSld>
     <p:spTree>
       <p:nvGrpSpPr>
-        <p:cNvPr id="1" name="Shape 59"/>
+        <p:cNvPr id="1" name=""/>
         <p:cNvGrpSpPr/>
         <p:nvPr/>
       </p:nvGrpSpPr>
@@ -6187,431 +5962,123 @@
           <a:chExt cx="0" cy="0"/>
         </a:xfrm>
       </p:grpSpPr>
-      <p:sp>
-        <p:nvSpPr>
-          <p:cNvPr id="60" name="Google Shape;60;p14"/>
-          <p:cNvSpPr txBox="1">
-            <a:spLocks noGrp="1"/>
-          </p:cNvSpPr>
-          <p:nvPr>
-            <p:ph type="title"/>
-          </p:nvPr>
-        </p:nvSpPr>
+      <p:pic>
+        <p:nvPicPr>
+          <p:cNvPr id="3" name="Immagine 2">
+            <a:extLst>
+              <a:ext uri="{FF2B5EF4-FFF2-40B4-BE49-F238E27FC236}">
+                <a16:creationId xmlns:a16="http://schemas.microsoft.com/office/drawing/2014/main" id="{1F21F99C-FCFA-4165-85A7-E5244899EDD7}"/>
+              </a:ext>
+            </a:extLst>
+          </p:cNvPr>
+          <p:cNvPicPr>
+            <a:picLocks noChangeAspect="1"/>
+          </p:cNvPicPr>
+          <p:nvPr/>
+        </p:nvPicPr>
+        <p:blipFill>
+          <a:blip r:embed="rId2"/>
+          <a:stretch>
+            <a:fillRect/>
+          </a:stretch>
+        </p:blipFill>
         <p:spPr>
           <a:xfrm>
-            <a:off x="1864500" y="74975"/>
-            <a:ext cx="5415000" cy="572700"/>
+            <a:off x="4572000" y="811630"/>
+            <a:ext cx="4572000" cy="3729854"/>
           </a:xfrm>
           <a:prstGeom prst="rect">
             <a:avLst/>
           </a:prstGeom>
         </p:spPr>
+      </p:pic>
+      <p:sp>
+        <p:nvSpPr>
+          <p:cNvPr id="6" name="CasellaDiTesto 5">
+            <a:extLst>
+              <a:ext uri="{FF2B5EF4-FFF2-40B4-BE49-F238E27FC236}">
+                <a16:creationId xmlns:a16="http://schemas.microsoft.com/office/drawing/2014/main" id="{327FE8A9-1CDD-4A0A-A9E9-F000D9176044}"/>
+              </a:ext>
+            </a:extLst>
+          </p:cNvPr>
+          <p:cNvSpPr txBox="1"/>
+          <p:nvPr/>
+        </p:nvSpPr>
+        <p:spPr>
+          <a:xfrm>
+            <a:off x="213849" y="150911"/>
+            <a:ext cx="7973568" cy="557076"/>
+          </a:xfrm>
+          <a:prstGeom prst="rect">
+            <a:avLst/>
+          </a:prstGeom>
+          <a:noFill/>
+        </p:spPr>
         <p:txBody>
-          <a:bodyPr spcFirstLastPara="1" wrap="square" lIns="91425" tIns="91425" rIns="91425" bIns="91425" anchor="t" anchorCtr="0">
-            <a:noAutofit/>
+          <a:bodyPr wrap="square" rtlCol="0">
+            <a:spAutoFit/>
           </a:bodyPr>
           <a:lstStyle/>
           <a:p>
-            <a:pPr marL="0" lvl="0" indent="0" algn="l" rtl="0">
-              <a:spcBef>
-                <a:spcPts val="0"/>
-              </a:spcBef>
-              <a:spcAft>
-                <a:spcPts val="0"/>
-              </a:spcAft>
-              <a:buSzPts val="990"/>
-              <a:buNone/>
-            </a:pPr>
             <a:r>
-              <a:rPr lang="it" sz="3020" b="1">
+              <a:rPr lang="it-IT" sz="3020" dirty="0">
                 <a:solidFill>
                   <a:srgbClr val="FF0000"/>
                 </a:solidFill>
-                <a:latin typeface="Merriweather"/>
-                <a:ea typeface="Merriweather"/>
-                <a:cs typeface="Merriweather"/>
-                <a:sym typeface="Merriweather"/>
+                <a:latin typeface="Merriweather" panose="020B0604020202020204" charset="0"/>
               </a:rPr>
-              <a:t>L’inquinamento in Italia</a:t>
+              <a:t>Qualità dell’aria in Italia</a:t>
             </a:r>
-            <a:endParaRPr sz="3020" b="1">
-              <a:solidFill>
-                <a:srgbClr val="FF0000"/>
-              </a:solidFill>
-              <a:latin typeface="Merriweather"/>
-              <a:ea typeface="Merriweather"/>
-              <a:cs typeface="Merriweather"/>
-              <a:sym typeface="Merriweather"/>
-            </a:endParaRPr>
           </a:p>
         </p:txBody>
       </p:sp>
       <p:sp>
         <p:nvSpPr>
-          <p:cNvPr id="61" name="Google Shape;61;p14"/>
-          <p:cNvSpPr txBox="1">
-            <a:spLocks noGrp="1"/>
-          </p:cNvSpPr>
-          <p:nvPr>
-            <p:ph type="body" idx="1"/>
-          </p:nvPr>
-        </p:nvSpPr>
-        <p:spPr>
-          <a:xfrm>
-            <a:off x="140600" y="715850"/>
-            <a:ext cx="5964900" cy="4353600"/>
-          </a:xfrm>
-          <a:prstGeom prst="rect">
-            <a:avLst/>
-          </a:prstGeom>
-        </p:spPr>
-        <p:txBody>
-          <a:bodyPr spcFirstLastPara="1" wrap="square" lIns="91425" tIns="91425" rIns="91425" bIns="91425" anchor="t" anchorCtr="0">
-            <a:noAutofit/>
-          </a:bodyPr>
-          <a:lstStyle/>
-          <a:p>
-            <a:pPr marL="0" lvl="0" indent="0" algn="l" rtl="0">
-              <a:spcBef>
-                <a:spcPts val="0"/>
-              </a:spcBef>
-              <a:spcAft>
-                <a:spcPts val="0"/>
-              </a:spcAft>
-              <a:buSzPts val="935"/>
-              <a:buNone/>
-            </a:pPr>
-            <a:r>
-              <a:rPr lang="it" sz="1262" dirty="0">
-                <a:solidFill>
-                  <a:schemeClr val="dk1"/>
-                </a:solidFill>
-                <a:highlight>
-                  <a:srgbClr val="FFFFFF"/>
-                </a:highlight>
-                <a:latin typeface="Trebuchet MS"/>
-                <a:ea typeface="Trebuchet MS"/>
-                <a:cs typeface="Trebuchet MS"/>
-                <a:sym typeface="Trebuchet MS"/>
-              </a:rPr>
-              <a:t>Per Inquinamento dell’aria si intende la contaminazione dell’ambiente da parte di agenti chimici, fisici o biologici che apportano delle modifiche alle condizioni naturali dell’atmosfera e che possono avere effetti dannosi sull’ambiente.</a:t>
-            </a:r>
-            <a:endParaRPr sz="1262" dirty="0">
-              <a:solidFill>
-                <a:schemeClr val="dk1"/>
-              </a:solidFill>
-              <a:highlight>
-                <a:srgbClr val="FFFFFF"/>
-              </a:highlight>
-              <a:latin typeface="Trebuchet MS"/>
-              <a:ea typeface="Trebuchet MS"/>
-              <a:cs typeface="Trebuchet MS"/>
-              <a:sym typeface="Trebuchet MS"/>
-            </a:endParaRPr>
-          </a:p>
-          <a:p>
-            <a:pPr marL="0" lvl="0" indent="0" algn="l" rtl="0">
-              <a:spcBef>
-                <a:spcPts val="1200"/>
-              </a:spcBef>
-              <a:spcAft>
-                <a:spcPts val="0"/>
-              </a:spcAft>
-              <a:buClr>
-                <a:schemeClr val="dk1"/>
-              </a:buClr>
-              <a:buSzPts val="935"/>
-              <a:buFont typeface="Arial"/>
-              <a:buNone/>
-            </a:pPr>
-            <a:r>
-              <a:rPr lang="it" sz="1262" dirty="0">
-                <a:solidFill>
-                  <a:schemeClr val="dk1"/>
-                </a:solidFill>
-                <a:highlight>
-                  <a:srgbClr val="FFFFFF"/>
-                </a:highlight>
-                <a:latin typeface="Trebuchet MS"/>
-                <a:ea typeface="Trebuchet MS"/>
-                <a:cs typeface="Trebuchet MS"/>
-                <a:sym typeface="Trebuchet MS"/>
-              </a:rPr>
-              <a:t>Tra le principali fonti di inquinamento spiccano:</a:t>
-            </a:r>
-            <a:endParaRPr sz="1262" dirty="0">
-              <a:solidFill>
-                <a:schemeClr val="dk1"/>
-              </a:solidFill>
-              <a:highlight>
-                <a:srgbClr val="FFFFFF"/>
-              </a:highlight>
-              <a:latin typeface="Trebuchet MS"/>
-              <a:ea typeface="Trebuchet MS"/>
-              <a:cs typeface="Trebuchet MS"/>
-              <a:sym typeface="Trebuchet MS"/>
-            </a:endParaRPr>
-          </a:p>
-          <a:p>
-            <a:pPr marL="457200" lvl="0" indent="-308768" algn="l" rtl="0">
-              <a:spcBef>
-                <a:spcPts val="2400"/>
-              </a:spcBef>
-              <a:spcAft>
-                <a:spcPts val="0"/>
-              </a:spcAft>
-              <a:buClr>
-                <a:schemeClr val="dk1"/>
-              </a:buClr>
-              <a:buSzPts val="1263"/>
-              <a:buFont typeface="Trebuchet MS"/>
-              <a:buChar char="●"/>
-            </a:pPr>
-            <a:r>
-              <a:rPr lang="it" sz="1262" dirty="0">
-                <a:solidFill>
-                  <a:schemeClr val="dk1"/>
-                </a:solidFill>
-                <a:highlight>
-                  <a:srgbClr val="FFFFFF"/>
-                </a:highlight>
-                <a:latin typeface="Trebuchet MS"/>
-                <a:ea typeface="Trebuchet MS"/>
-                <a:cs typeface="Trebuchet MS"/>
-                <a:sym typeface="Trebuchet MS"/>
-              </a:rPr>
-              <a:t>la combustione di combustibili fossili (carbone, petrolio e gas naturali);</a:t>
-            </a:r>
-            <a:endParaRPr sz="1262" dirty="0">
-              <a:solidFill>
-                <a:schemeClr val="dk1"/>
-              </a:solidFill>
-              <a:highlight>
-                <a:srgbClr val="FFFFFF"/>
-              </a:highlight>
-              <a:latin typeface="Trebuchet MS"/>
-              <a:ea typeface="Trebuchet MS"/>
-              <a:cs typeface="Trebuchet MS"/>
-              <a:sym typeface="Trebuchet MS"/>
-            </a:endParaRPr>
-          </a:p>
-          <a:p>
-            <a:pPr marL="457200" lvl="0" indent="-308768" algn="l" rtl="0">
-              <a:spcBef>
-                <a:spcPts val="0"/>
-              </a:spcBef>
-              <a:spcAft>
-                <a:spcPts val="0"/>
-              </a:spcAft>
-              <a:buClr>
-                <a:schemeClr val="dk1"/>
-              </a:buClr>
-              <a:buSzPts val="1263"/>
-              <a:buFont typeface="Trebuchet MS"/>
-              <a:buChar char="●"/>
-            </a:pPr>
-            <a:r>
-              <a:rPr lang="it" sz="1262" dirty="0">
-                <a:solidFill>
-                  <a:schemeClr val="dk1"/>
-                </a:solidFill>
-                <a:highlight>
-                  <a:srgbClr val="FFFFFF"/>
-                </a:highlight>
-                <a:latin typeface="Trebuchet MS"/>
-                <a:ea typeface="Trebuchet MS"/>
-                <a:cs typeface="Trebuchet MS"/>
-                <a:sym typeface="Trebuchet MS"/>
-              </a:rPr>
-              <a:t>la combustione di biomasse (legna, pellet etc.) sia nei grandi impianti che nelle abitazioni;</a:t>
-            </a:r>
-            <a:endParaRPr sz="1262" dirty="0">
-              <a:solidFill>
-                <a:schemeClr val="dk1"/>
-              </a:solidFill>
-              <a:highlight>
-                <a:srgbClr val="FFFFFF"/>
-              </a:highlight>
-              <a:latin typeface="Trebuchet MS"/>
-              <a:ea typeface="Trebuchet MS"/>
-              <a:cs typeface="Trebuchet MS"/>
-              <a:sym typeface="Trebuchet MS"/>
-            </a:endParaRPr>
-          </a:p>
-          <a:p>
-            <a:pPr marL="457200" lvl="0" indent="-308768" algn="l" rtl="0">
-              <a:spcBef>
-                <a:spcPts val="0"/>
-              </a:spcBef>
-              <a:spcAft>
-                <a:spcPts val="0"/>
-              </a:spcAft>
-              <a:buClr>
-                <a:schemeClr val="dk1"/>
-              </a:buClr>
-              <a:buSzPts val="1263"/>
-              <a:buFont typeface="Trebuchet MS"/>
-              <a:buChar char="●"/>
-            </a:pPr>
-            <a:r>
-              <a:rPr lang="it" sz="1262" dirty="0">
-                <a:solidFill>
-                  <a:schemeClr val="dk1"/>
-                </a:solidFill>
-                <a:highlight>
-                  <a:srgbClr val="FFFFFF"/>
-                </a:highlight>
-                <a:latin typeface="Trebuchet MS"/>
-                <a:ea typeface="Trebuchet MS"/>
-                <a:cs typeface="Trebuchet MS"/>
-                <a:sym typeface="Trebuchet MS"/>
-              </a:rPr>
-              <a:t>le emissioni delle industrie e delle fabbriche, come le industrie manufatturiere;</a:t>
-            </a:r>
-            <a:endParaRPr sz="1262" dirty="0">
-              <a:solidFill>
-                <a:schemeClr val="dk1"/>
-              </a:solidFill>
-              <a:highlight>
-                <a:srgbClr val="FFFFFF"/>
-              </a:highlight>
-              <a:latin typeface="Trebuchet MS"/>
-              <a:ea typeface="Trebuchet MS"/>
-              <a:cs typeface="Trebuchet MS"/>
-              <a:sym typeface="Trebuchet MS"/>
-            </a:endParaRPr>
-          </a:p>
-          <a:p>
-            <a:pPr marL="0" lvl="0" indent="0" algn="l" rtl="0">
-              <a:lnSpc>
-                <a:spcPct val="100000"/>
-              </a:lnSpc>
-              <a:spcBef>
-                <a:spcPts val="2400"/>
-              </a:spcBef>
-              <a:spcAft>
-                <a:spcPts val="0"/>
-              </a:spcAft>
-              <a:buSzPts val="935"/>
-              <a:buNone/>
-            </a:pPr>
-            <a:r>
-              <a:rPr lang="it" sz="1262" dirty="0">
-                <a:solidFill>
-                  <a:schemeClr val="dk1"/>
-                </a:solidFill>
-                <a:highlight>
-                  <a:schemeClr val="lt1"/>
-                </a:highlight>
-                <a:latin typeface="Trebuchet MS"/>
-                <a:ea typeface="Trebuchet MS"/>
-                <a:cs typeface="Trebuchet MS"/>
-                <a:sym typeface="Trebuchet MS"/>
-              </a:rPr>
-              <a:t>Per eliminare l’inquinamento atmosferico bisogna trovare dei rimedi efficaci, come le polveri sottili. I trasporti stradali sono una delle principali fonti di emissioni di inquinanti atmosferici. Per questo una mobilità sostenibile consentirebbe di limitare l’inquinamento causato dal traffico e le emissioni in aria dal trasporto stradale. Lo smartworking è un’altra possibile modalità che permette di ridurre le emissioni di sostanze inquinanti connesse agli spostamenti.</a:t>
-            </a:r>
-            <a:endParaRPr sz="1262" dirty="0">
-              <a:solidFill>
-                <a:schemeClr val="dk1"/>
-              </a:solidFill>
-              <a:highlight>
-                <a:schemeClr val="lt1"/>
-              </a:highlight>
-              <a:latin typeface="Trebuchet MS"/>
-              <a:ea typeface="Trebuchet MS"/>
-              <a:cs typeface="Trebuchet MS"/>
-              <a:sym typeface="Trebuchet MS"/>
-            </a:endParaRPr>
-          </a:p>
-          <a:p>
-            <a:pPr marL="0" lvl="0" indent="0" algn="l" rtl="0">
-              <a:spcBef>
-                <a:spcPts val="0"/>
-              </a:spcBef>
-              <a:spcAft>
-                <a:spcPts val="0"/>
-              </a:spcAft>
-              <a:buSzPts val="935"/>
-              <a:buNone/>
-            </a:pPr>
-            <a:endParaRPr sz="1262" dirty="0">
-              <a:solidFill>
-                <a:schemeClr val="dk1"/>
-              </a:solidFill>
-              <a:highlight>
-                <a:srgbClr val="FFFFFF"/>
-              </a:highlight>
-              <a:latin typeface="Trebuchet MS"/>
-              <a:ea typeface="Trebuchet MS"/>
-              <a:cs typeface="Trebuchet MS"/>
-              <a:sym typeface="Trebuchet MS"/>
-            </a:endParaRPr>
-          </a:p>
-          <a:p>
-            <a:pPr marL="0" lvl="0" indent="0" algn="l" rtl="0">
-              <a:spcBef>
-                <a:spcPts val="2400"/>
-              </a:spcBef>
-              <a:spcAft>
-                <a:spcPts val="1200"/>
-              </a:spcAft>
-              <a:buSzPts val="935"/>
-              <a:buNone/>
-            </a:pPr>
-            <a:endParaRPr sz="1147" dirty="0">
-              <a:solidFill>
-                <a:srgbClr val="444444"/>
-              </a:solidFill>
-              <a:highlight>
-                <a:srgbClr val="FFFFFF"/>
-              </a:highlight>
-              <a:latin typeface="Trebuchet MS"/>
-              <a:ea typeface="Trebuchet MS"/>
-              <a:cs typeface="Trebuchet MS"/>
-              <a:sym typeface="Trebuchet MS"/>
-            </a:endParaRPr>
-          </a:p>
-        </p:txBody>
-      </p:sp>
-      <p:sp>
-        <p:nvSpPr>
-          <p:cNvPr id="62" name="Google Shape;62;p14"/>
+          <p:cNvPr id="7" name="CasellaDiTesto 6">
+            <a:extLst>
+              <a:ext uri="{FF2B5EF4-FFF2-40B4-BE49-F238E27FC236}">
+                <a16:creationId xmlns:a16="http://schemas.microsoft.com/office/drawing/2014/main" id="{A25AD11F-DF1D-4849-871A-7E0BC3D2EFA4}"/>
+              </a:ext>
+            </a:extLst>
+          </p:cNvPr>
           <p:cNvSpPr txBox="1"/>
           <p:nvPr/>
         </p:nvSpPr>
         <p:spPr>
           <a:xfrm>
-            <a:off x="5631950" y="1295125"/>
-            <a:ext cx="2819700" cy="400200"/>
+            <a:off x="213849" y="1017478"/>
+            <a:ext cx="4358151" cy="3108543"/>
           </a:xfrm>
           <a:prstGeom prst="rect">
             <a:avLst/>
           </a:prstGeom>
           <a:noFill/>
-          <a:ln>
-            <a:noFill/>
-          </a:ln>
         </p:spPr>
         <p:txBody>
-          <a:bodyPr spcFirstLastPara="1" wrap="square" lIns="91425" tIns="91425" rIns="91425" bIns="91425" anchor="t" anchorCtr="0">
+          <a:bodyPr wrap="square" rtlCol="0">
             <a:spAutoFit/>
           </a:bodyPr>
           <a:lstStyle/>
           <a:p>
-            <a:pPr marL="0" lvl="0" indent="0" algn="l" rtl="0">
-              <a:spcBef>
-                <a:spcPts val="0"/>
-              </a:spcBef>
-              <a:spcAft>
-                <a:spcPts val="0"/>
-              </a:spcAft>
-              <a:buNone/>
-            </a:pPr>
-            <a:endParaRPr/>
+            <a:r>
+              <a:rPr lang="it-IT" dirty="0"/>
+              <a:t>Nel 2020, la qualità dell’aria in Italia è generalmente migliorata, confermando il trend registrato negli ultimi cinque anni.</a:t>
+            </a:r>
+          </a:p>
+          <a:p>
+            <a:r>
+              <a:rPr lang="it-IT" dirty="0"/>
+              <a:t>Ma come mostrato dal grafico la diminuzione non è così significativa per il pm10 che invece nel 2020 in 155 (29%) delle stazioni di monitoraggio italiane sono stati registrati sforamenti del limite consentito dalla normativa UE, ma comunque un miglioramento rispetto al 2015 dove i superamenti erano 200 (39%). Invece nel 2015 la media annua di NO2 superava il limite di 40 microgrammi al metro cubo in 67 stazioni di monitoraggio italiane (13% del totale), mentre nel 2020 le stazioni che non rispettano tale parametro sono 14 (2%).</a:t>
+            </a:r>
           </a:p>
         </p:txBody>
       </p:sp>
     </p:spTree>
+    <p:extLst>
+      <p:ext uri="{BB962C8B-B14F-4D97-AF65-F5344CB8AC3E}">
+        <p14:creationId xmlns:p14="http://schemas.microsoft.com/office/powerpoint/2010/main" val="3139504326"/>
+      </p:ext>
+    </p:extLst>
   </p:cSld>
   <p:clrMapOvr>
     <a:masterClrMapping/>
@@ -6636,12 +6103,127 @@
           <a:chExt cx="0" cy="0"/>
         </a:xfrm>
       </p:grpSpPr>
+      <p:sp>
+        <p:nvSpPr>
+          <p:cNvPr id="4" name="CasellaDiTesto 3">
+            <a:extLst>
+              <a:ext uri="{FF2B5EF4-FFF2-40B4-BE49-F238E27FC236}">
+                <a16:creationId xmlns:a16="http://schemas.microsoft.com/office/drawing/2014/main" id="{5D258807-44CB-430D-9A8C-52B713EBD8DA}"/>
+              </a:ext>
+            </a:extLst>
+          </p:cNvPr>
+          <p:cNvSpPr txBox="1"/>
+          <p:nvPr/>
+        </p:nvSpPr>
+        <p:spPr>
+          <a:xfrm>
+            <a:off x="134112" y="272584"/>
+            <a:ext cx="8485632" cy="557076"/>
+          </a:xfrm>
+          <a:prstGeom prst="rect">
+            <a:avLst/>
+          </a:prstGeom>
+          <a:noFill/>
+        </p:spPr>
+        <p:txBody>
+          <a:bodyPr wrap="square" rtlCol="0">
+            <a:spAutoFit/>
+          </a:bodyPr>
+          <a:lstStyle/>
+          <a:p>
+            <a:r>
+              <a:rPr lang="it-IT" sz="3020" dirty="0">
+                <a:solidFill>
+                  <a:srgbClr val="FF0000"/>
+                </a:solidFill>
+                <a:latin typeface="Merriweather" panose="020B0604020202020204" charset="0"/>
+              </a:rPr>
+              <a:t>Qualità dell’aria in Europa</a:t>
+            </a:r>
+          </a:p>
+        </p:txBody>
+      </p:sp>
+      <p:sp>
+        <p:nvSpPr>
+          <p:cNvPr id="5" name="CasellaDiTesto 4">
+            <a:extLst>
+              <a:ext uri="{FF2B5EF4-FFF2-40B4-BE49-F238E27FC236}">
+                <a16:creationId xmlns:a16="http://schemas.microsoft.com/office/drawing/2014/main" id="{4858B01D-0629-4237-8149-90B5E00EE4F8}"/>
+              </a:ext>
+            </a:extLst>
+          </p:cNvPr>
+          <p:cNvSpPr txBox="1"/>
+          <p:nvPr/>
+        </p:nvSpPr>
+        <p:spPr>
+          <a:xfrm>
+            <a:off x="108838" y="801386"/>
+            <a:ext cx="8900160" cy="1451872"/>
+          </a:xfrm>
+          <a:prstGeom prst="rect">
+            <a:avLst/>
+          </a:prstGeom>
+          <a:noFill/>
+        </p:spPr>
+        <p:txBody>
+          <a:bodyPr wrap="square" rtlCol="0">
+            <a:spAutoFit/>
+          </a:bodyPr>
+          <a:lstStyle/>
+          <a:p>
+            <a:pPr eaLnBrk="0" fontAlgn="base" hangingPunct="0">
+              <a:spcBef>
+                <a:spcPct val="0"/>
+              </a:spcBef>
+              <a:spcAft>
+                <a:spcPct val="0"/>
+              </a:spcAft>
+              <a:buClrTx/>
+            </a:pPr>
+            <a:r>
+              <a:rPr lang="it-IT" sz="1262" dirty="0">
+                <a:solidFill>
+                  <a:schemeClr val="dk1"/>
+                </a:solidFill>
+                <a:highlight>
+                  <a:srgbClr val="FFFFFF"/>
+                </a:highlight>
+                <a:latin typeface="Trebuchet MS"/>
+                <a:sym typeface="Trebuchet MS"/>
+              </a:rPr>
+              <a:t>Per Inquinamento dell’aria si intende la contaminazione dell’ambiente da parte di agenti chimici, fisici o biologici che apportano delle modifiche alle condizioni naturali dell’atmosfera e che possono avere effetti dannosi sull’ambiente e sulle persone. Un esempio di agente inquinante sono le polveri sottili che in particolare vengono prodotti dai motori delle auto.</a:t>
+            </a:r>
+            <a:r>
+              <a:rPr lang="it-IT" sz="1262" dirty="0">
+                <a:solidFill>
+                  <a:schemeClr val="dk1"/>
+                </a:solidFill>
+                <a:highlight>
+                  <a:srgbClr val="FFFFFF"/>
+                </a:highlight>
+                <a:latin typeface="Trebuchet MS"/>
+              </a:rPr>
+              <a:t> Per questo, soprattutto d’inverno quando le precipitazioni sono scarse e le temperature basse favoriscono il ristagno dell’aria a livello del suolo, si verificano accumuli eccessivi di polveri sottili che possono durare anche diversi giorni. Un modo per poter ridurre il livello di polveri sottili è limitare fortemente il traffico con il sistema delle targhe alterne o un blocco totale.</a:t>
+            </a:r>
+            <a:endParaRPr lang="it-IT" sz="1262" dirty="0">
+              <a:solidFill>
+                <a:schemeClr val="dk1"/>
+              </a:solidFill>
+              <a:highlight>
+                <a:srgbClr val="FFFFFF"/>
+              </a:highlight>
+              <a:latin typeface="Trebuchet MS"/>
+              <a:sym typeface="Trebuchet MS"/>
+            </a:endParaRPr>
+          </a:p>
+        </p:txBody>
+      </p:sp>
       <p:pic>
         <p:nvPicPr>
-          <p:cNvPr id="4" name="Immagine 3">
+          <p:cNvPr id="6" name="Immagine 5">
             <a:extLst>
               <a:ext uri="{FF2B5EF4-FFF2-40B4-BE49-F238E27FC236}">
-                <a16:creationId xmlns:a16="http://schemas.microsoft.com/office/drawing/2014/main" id="{F794C57A-8509-D222-C7A8-1B35151A3420}"/>
+                <a16:creationId xmlns:a16="http://schemas.microsoft.com/office/drawing/2014/main" id="{3BEC43EC-E9BF-4222-9570-3E64BD202AB5}"/>
               </a:ext>
             </a:extLst>
           </p:cNvPr>
@@ -6658,324 +6240,98 @@
         </p:blipFill>
         <p:spPr>
           <a:xfrm>
-            <a:off x="1557337" y="704850"/>
-            <a:ext cx="6029325" cy="3733800"/>
+            <a:off x="3612957" y="2253258"/>
+            <a:ext cx="5531043" cy="2890242"/>
           </a:xfrm>
           <a:prstGeom prst="rect">
             <a:avLst/>
           </a:prstGeom>
         </p:spPr>
       </p:pic>
-    </p:spTree>
-    <p:extLst>
-      <p:ext uri="{BB962C8B-B14F-4D97-AF65-F5344CB8AC3E}">
-        <p14:creationId xmlns:p14="http://schemas.microsoft.com/office/powerpoint/2010/main" val="1912028603"/>
-      </p:ext>
-    </p:extLst>
-  </p:cSld>
-  <p:clrMapOvr>
-    <a:masterClrMapping/>
-  </p:clrMapOvr>
-</p:sld>
-</file>
-
-<file path=ppt/slides/slide4.xml><?xml version="1.0" encoding="utf-8"?>
-<p:sld xmlns:a="http://schemas.openxmlformats.org/drawingml/2006/main" xmlns:r="http://schemas.openxmlformats.org/officeDocument/2006/relationships" xmlns:p="http://schemas.openxmlformats.org/presentationml/2006/main">
-  <p:cSld>
-    <p:spTree>
-      <p:nvGrpSpPr>
-        <p:cNvPr id="1" name="Shape 66"/>
-        <p:cNvGrpSpPr/>
-        <p:nvPr/>
-      </p:nvGrpSpPr>
-      <p:grpSpPr>
-        <a:xfrm>
-          <a:off x="0" y="0"/>
-          <a:ext cx="0" cy="0"/>
-          <a:chOff x="0" y="0"/>
-          <a:chExt cx="0" cy="0"/>
-        </a:xfrm>
-      </p:grpSpPr>
       <p:sp>
         <p:nvSpPr>
-          <p:cNvPr id="67" name="Google Shape;67;p15"/>
-          <p:cNvSpPr txBox="1">
-            <a:spLocks noGrp="1"/>
-          </p:cNvSpPr>
-          <p:nvPr>
-            <p:ph type="title"/>
-          </p:nvPr>
+          <p:cNvPr id="17" name="CasellaDiTesto 16">
+            <a:extLst>
+              <a:ext uri="{FF2B5EF4-FFF2-40B4-BE49-F238E27FC236}">
+                <a16:creationId xmlns:a16="http://schemas.microsoft.com/office/drawing/2014/main" id="{5FB7BFCF-3245-4294-91A7-95AD5E3986DF}"/>
+              </a:ext>
+            </a:extLst>
+          </p:cNvPr>
+          <p:cNvSpPr txBox="1"/>
+          <p:nvPr/>
         </p:nvSpPr>
         <p:spPr>
           <a:xfrm>
-            <a:off x="1890450" y="289600"/>
-            <a:ext cx="5363100" cy="672600"/>
+            <a:off x="108838" y="2286358"/>
+            <a:ext cx="3441971" cy="2055756"/>
           </a:xfrm>
           <a:prstGeom prst="rect">
             <a:avLst/>
           </a:prstGeom>
+          <a:noFill/>
         </p:spPr>
         <p:txBody>
-          <a:bodyPr spcFirstLastPara="1" wrap="square" lIns="91425" tIns="91425" rIns="91425" bIns="91425" anchor="t" anchorCtr="0">
-            <a:noAutofit/>
+          <a:bodyPr wrap="square" rtlCol="0">
+            <a:spAutoFit/>
           </a:bodyPr>
           <a:lstStyle/>
           <a:p>
-            <a:pPr marL="0" lvl="0" indent="0" algn="l" rtl="0">
-              <a:spcBef>
-                <a:spcPts val="0"/>
-              </a:spcBef>
-              <a:spcAft>
-                <a:spcPts val="0"/>
-              </a:spcAft>
-              <a:buSzPts val="990"/>
-              <a:buNone/>
+            <a:pPr lvl="0" eaLnBrk="0" fontAlgn="base" hangingPunct="0">
+              <a:spcBef>
+                <a:spcPct val="0"/>
+              </a:spcBef>
+              <a:spcAft>
+                <a:spcPct val="0"/>
+              </a:spcAft>
+              <a:buClrTx/>
             </a:pPr>
             <a:r>
-              <a:rPr lang="it" sz="3020" b="1">
-                <a:solidFill>
-                  <a:srgbClr val="FF0000"/>
-                </a:solidFill>
-                <a:latin typeface="Merriweather"/>
-                <a:ea typeface="Merriweather"/>
-                <a:cs typeface="Merriweather"/>
-                <a:sym typeface="Merriweather"/>
-              </a:rPr>
-              <a:t>L’inquinamento in Europa</a:t>
-            </a:r>
-            <a:endParaRPr sz="3020" b="1">
-              <a:solidFill>
-                <a:srgbClr val="FF0000"/>
-              </a:solidFill>
-              <a:latin typeface="Merriweather"/>
-              <a:ea typeface="Merriweather"/>
-              <a:cs typeface="Merriweather"/>
-              <a:sym typeface="Merriweather"/>
-            </a:endParaRPr>
-          </a:p>
-        </p:txBody>
-      </p:sp>
-      <p:sp>
-        <p:nvSpPr>
-          <p:cNvPr id="68" name="Google Shape;68;p15"/>
-          <p:cNvSpPr txBox="1">
-            <a:spLocks noGrp="1"/>
-          </p:cNvSpPr>
-          <p:nvPr>
-            <p:ph type="body" idx="1"/>
-          </p:nvPr>
-        </p:nvSpPr>
-        <p:spPr>
-          <a:xfrm>
-            <a:off x="96200" y="1152475"/>
-            <a:ext cx="4425600" cy="3850500"/>
-          </a:xfrm>
-          <a:prstGeom prst="rect">
-            <a:avLst/>
-          </a:prstGeom>
-        </p:spPr>
-        <p:txBody>
-          <a:bodyPr spcFirstLastPara="1" wrap="square" lIns="91425" tIns="91425" rIns="91425" bIns="91425" anchor="t" anchorCtr="0">
-            <a:noAutofit/>
-          </a:bodyPr>
-          <a:lstStyle/>
-          <a:p>
-            <a:pPr marL="0" lvl="0" indent="0" algn="l" rtl="0">
-              <a:spcBef>
-                <a:spcPts val="0"/>
-              </a:spcBef>
-              <a:spcAft>
-                <a:spcPts val="0"/>
-              </a:spcAft>
-              <a:buNone/>
-            </a:pPr>
-            <a:r>
-              <a:rPr lang="it" sz="1350" b="1">
-                <a:solidFill>
-                  <a:srgbClr val="333333"/>
-                </a:solidFill>
-                <a:latin typeface="Georgia"/>
-                <a:ea typeface="Georgia"/>
-                <a:cs typeface="Georgia"/>
-                <a:sym typeface="Georgia"/>
-              </a:rPr>
-              <a:t>“In Europa, le emissioni di molti inquinanti atmosferici sono diminuite in modo sostanziale negli ultimi decenni, determinando una migliore qualità dell'aria nella regione. Le concentrazioni di inquinanti sono tuttavia ancora troppo elevate e i problemi legati alla qualità dell'aria persistono”</a:t>
-            </a:r>
-            <a:r>
-              <a:rPr lang="it" sz="1350" b="1">
-                <a:solidFill>
-                  <a:srgbClr val="333333"/>
-                </a:solidFill>
-                <a:latin typeface="Verdana"/>
-                <a:ea typeface="Verdana"/>
-                <a:cs typeface="Verdana"/>
-                <a:sym typeface="Verdana"/>
-              </a:rPr>
-              <a:t>.</a:t>
-            </a:r>
-            <a:endParaRPr sz="1350" b="1">
-              <a:solidFill>
-                <a:srgbClr val="333333"/>
-              </a:solidFill>
-              <a:latin typeface="Verdana"/>
-              <a:ea typeface="Verdana"/>
-              <a:cs typeface="Verdana"/>
-              <a:sym typeface="Verdana"/>
-            </a:endParaRPr>
-          </a:p>
-          <a:p>
-            <a:pPr marL="0" lvl="0" indent="0" algn="l" rtl="0">
-              <a:spcBef>
-                <a:spcPts val="1200"/>
-              </a:spcBef>
-              <a:spcAft>
-                <a:spcPts val="1200"/>
-              </a:spcAft>
-              <a:buNone/>
-            </a:pPr>
-            <a:r>
-              <a:rPr lang="it" sz="1350">
+              <a:rPr lang="it-IT" altLang="it-IT" sz="1262" dirty="0">
                 <a:solidFill>
                   <a:schemeClr val="dk1"/>
                 </a:solidFill>
-                <a:latin typeface="Verdana"/>
-                <a:ea typeface="Verdana"/>
-                <a:cs typeface="Verdana"/>
-                <a:sym typeface="Verdana"/>
+                <a:highlight>
+                  <a:srgbClr val="FFFFFF"/>
+                </a:highlight>
+                <a:latin typeface="Trebuchet MS"/>
               </a:rPr>
-              <a:t>Secondo il rapporto dell’AEA (Air quality in Europe), il trasporto su strada è una delle principali fonti di inquinamento atmosferico in Europa, in particolare di inquinanti nocivi quali il biossido di azoto e il particolato. Anche le emissioni provenienti dall’agricoltura, dalla produzione di energia, dall’industria e dai nuclei domestici contribuiscono a inquinare l’atmosfera. </a:t>
+              <a:t>Dal punto di vista dell’impatto sulla salute, sulla base dei dati consolidati del 2016 acquisiti dalle stazioni di monitoraggio dell’aria nei 41 Paesi dell’area europea, si stimano:</a:t>
             </a:r>
-            <a:endParaRPr sz="1350" b="1">
-              <a:solidFill>
-                <a:schemeClr val="dk1"/>
-              </a:solidFill>
-              <a:latin typeface="Verdana"/>
-              <a:ea typeface="Verdana"/>
-              <a:cs typeface="Verdana"/>
-              <a:sym typeface="Verdana"/>
-            </a:endParaRPr>
+          </a:p>
+          <a:p>
+            <a:pPr lvl="0" eaLnBrk="0" fontAlgn="base" hangingPunct="0">
+              <a:spcBef>
+                <a:spcPct val="0"/>
+              </a:spcBef>
+              <a:spcAft>
+                <a:spcPct val="0"/>
+              </a:spcAft>
+              <a:buClrTx/>
+              <a:buFontTx/>
+              <a:buChar char="•"/>
+            </a:pPr>
+            <a:r>
+              <a:rPr lang="it-IT" altLang="it-IT" sz="1262" dirty="0">
+                <a:solidFill>
+                  <a:schemeClr val="dk1"/>
+                </a:solidFill>
+                <a:highlight>
+                  <a:srgbClr val="FFFFFF"/>
+                </a:highlight>
+                <a:latin typeface="Trebuchet MS"/>
+              </a:rPr>
+              <a:t>412 mila decessi prematuri attribuiti all’esposizione a particolato PM2,5, 71 mila al biossido di azoto (NO2) e oltre 15 mila all’ozono (O3).</a:t>
+            </a:r>
+          </a:p>
+          <a:p>
+            <a:endParaRPr lang="it-IT" dirty="0"/>
           </a:p>
         </p:txBody>
       </p:sp>
     </p:spTree>
-  </p:cSld>
-  <p:clrMapOvr>
-    <a:masterClrMapping/>
-  </p:clrMapOvr>
-</p:sld>
-</file>
-
-<file path=ppt/slides/slide5.xml><?xml version="1.0" encoding="utf-8"?>
-<p:sld xmlns:a="http://schemas.openxmlformats.org/drawingml/2006/main" xmlns:r="http://schemas.openxmlformats.org/officeDocument/2006/relationships" xmlns:p="http://schemas.openxmlformats.org/presentationml/2006/main">
-  <p:cSld>
-    <p:spTree>
-      <p:nvGrpSpPr>
-        <p:cNvPr id="1" name=""/>
-        <p:cNvGrpSpPr/>
-        <p:nvPr/>
-      </p:nvGrpSpPr>
-      <p:grpSpPr>
-        <a:xfrm>
-          <a:off x="0" y="0"/>
-          <a:ext cx="0" cy="0"/>
-          <a:chOff x="0" y="0"/>
-          <a:chExt cx="0" cy="0"/>
-        </a:xfrm>
-      </p:grpSpPr>
-      <p:pic>
-        <p:nvPicPr>
-          <p:cNvPr id="5" name="Immagine 4">
-            <a:extLst>
-              <a:ext uri="{FF2B5EF4-FFF2-40B4-BE49-F238E27FC236}">
-                <a16:creationId xmlns:a16="http://schemas.microsoft.com/office/drawing/2014/main" id="{51DEEC13-2BA1-C323-6CD2-762460E19091}"/>
-              </a:ext>
-            </a:extLst>
-          </p:cNvPr>
-          <p:cNvPicPr>
-            <a:picLocks noChangeAspect="1"/>
-          </p:cNvPicPr>
-          <p:nvPr/>
-        </p:nvPicPr>
-        <p:blipFill>
-          <a:blip r:embed="rId2"/>
-          <a:stretch>
-            <a:fillRect/>
-          </a:stretch>
-        </p:blipFill>
-        <p:spPr>
-          <a:xfrm>
-            <a:off x="1269758" y="0"/>
-            <a:ext cx="7072313" cy="5143500"/>
-          </a:xfrm>
-          <a:prstGeom prst="rect">
-            <a:avLst/>
-          </a:prstGeom>
-        </p:spPr>
-      </p:pic>
-    </p:spTree>
     <p:extLst>
       <p:ext uri="{BB962C8B-B14F-4D97-AF65-F5344CB8AC3E}">
-        <p14:creationId xmlns:p14="http://schemas.microsoft.com/office/powerpoint/2010/main" val="50975296"/>
-      </p:ext>
-    </p:extLst>
-  </p:cSld>
-  <p:clrMapOvr>
-    <a:masterClrMapping/>
-  </p:clrMapOvr>
-</p:sld>
-</file>
-
-<file path=ppt/slides/slide6.xml><?xml version="1.0" encoding="utf-8"?>
-<p:sld xmlns:a="http://schemas.openxmlformats.org/drawingml/2006/main" xmlns:r="http://schemas.openxmlformats.org/officeDocument/2006/relationships" xmlns:p="http://schemas.openxmlformats.org/presentationml/2006/main">
-  <p:cSld>
-    <p:spTree>
-      <p:nvGrpSpPr>
-        <p:cNvPr id="1" name=""/>
-        <p:cNvGrpSpPr/>
-        <p:nvPr/>
-      </p:nvGrpSpPr>
-      <p:grpSpPr>
-        <a:xfrm>
-          <a:off x="0" y="0"/>
-          <a:ext cx="0" cy="0"/>
-          <a:chOff x="0" y="0"/>
-          <a:chExt cx="0" cy="0"/>
-        </a:xfrm>
-      </p:grpSpPr>
-      <p:pic>
-        <p:nvPicPr>
-          <p:cNvPr id="5" name="Immagine 4">
-            <a:extLst>
-              <a:ext uri="{FF2B5EF4-FFF2-40B4-BE49-F238E27FC236}">
-                <a16:creationId xmlns:a16="http://schemas.microsoft.com/office/drawing/2014/main" id="{4BB15F84-63D0-7D7B-051D-1B291D277F5E}"/>
-              </a:ext>
-            </a:extLst>
-          </p:cNvPr>
-          <p:cNvPicPr>
-            <a:picLocks noChangeAspect="1"/>
-          </p:cNvPicPr>
-          <p:nvPr/>
-        </p:nvPicPr>
-        <p:blipFill>
-          <a:blip r:embed="rId2"/>
-          <a:stretch>
-            <a:fillRect/>
-          </a:stretch>
-        </p:blipFill>
-        <p:spPr>
-          <a:xfrm>
-            <a:off x="0" y="394734"/>
-            <a:ext cx="9144000" cy="3886200"/>
-          </a:xfrm>
-          <a:prstGeom prst="rect">
-            <a:avLst/>
-          </a:prstGeom>
-        </p:spPr>
-      </p:pic>
-    </p:spTree>
-    <p:extLst>
-      <p:ext uri="{BB962C8B-B14F-4D97-AF65-F5344CB8AC3E}">
-        <p14:creationId xmlns:p14="http://schemas.microsoft.com/office/powerpoint/2010/main" val="3139504326"/>
+        <p14:creationId xmlns:p14="http://schemas.microsoft.com/office/powerpoint/2010/main" val="2696390673"/>
       </p:ext>
     </p:extLst>
   </p:cSld>
